--- a/第八章 Spark高级编程RDD与Dataset.pptx
+++ b/第八章 Spark高级编程RDD与Dataset.pptx
@@ -214,7 +214,7 @@
           <a:p>
             <a:fld id="{EBA7462B-154F-E647-9BF2-E8B82EB7C5D0}" type="datetimeFigureOut">
               <a:rPr kumimoji="1" lang="zh-CN" altLang="en-US" smtClean="0"/>
-              <a:t>2019/12/21</a:t>
+              <a:t>2020/1/2</a:t>
             </a:fld>
             <a:endParaRPr kumimoji="1" lang="zh-CN" altLang="en-US"/>
           </a:p>
@@ -11308,6 +11308,36 @@
           </a:p>
         </p:txBody>
       </p:sp>
+      <p:pic>
+        <p:nvPicPr>
+          <p:cNvPr id="11" name="图片 10">
+            <a:extLst>
+              <a:ext uri="{FF2B5EF4-FFF2-40B4-BE49-F238E27FC236}">
+                <a16:creationId xmlns:a16="http://schemas.microsoft.com/office/drawing/2014/main" id="{837EEDE8-DFE6-DC48-BA4A-9A53F11E4BCB}"/>
+              </a:ext>
+            </a:extLst>
+          </p:cNvPr>
+          <p:cNvPicPr>
+            <a:picLocks noChangeAspect="1"/>
+          </p:cNvPicPr>
+          <p:nvPr/>
+        </p:nvPicPr>
+        <p:blipFill>
+          <a:blip r:embed="rId3"/>
+          <a:stretch>
+            <a:fillRect/>
+          </a:stretch>
+        </p:blipFill>
+        <p:spPr>
+          <a:xfrm>
+            <a:off x="5949975" y="1925208"/>
+            <a:ext cx="5527322" cy="3827278"/>
+          </a:xfrm>
+          <a:prstGeom prst="rect">
+            <a:avLst/>
+          </a:prstGeom>
+        </p:spPr>
+      </p:pic>
     </p:spTree>
     <p:extLst>
       <p:ext uri="{BB962C8B-B14F-4D97-AF65-F5344CB8AC3E}">
